--- a/Terraform/Terraform.pptx
+++ b/Terraform/Terraform.pptx
@@ -4959,8 +4959,8 @@
         </p:nvSpPr>
         <p:spPr>
           <a:xfrm>
-            <a:off x="381188" y="685800"/>
-            <a:ext cx="6096300" cy="3429000"/>
+            <a:off x="381000" y="685800"/>
+            <a:ext cx="6096000" cy="3429000"/>
           </a:xfrm>
           <a:custGeom>
             <a:avLst/>
@@ -5063,8 +5063,8 @@
         </p:nvSpPr>
         <p:spPr>
           <a:xfrm>
-            <a:off x="381188" y="685800"/>
-            <a:ext cx="6096300" cy="3429000"/>
+            <a:off x="381000" y="685800"/>
+            <a:ext cx="6096000" cy="3429000"/>
           </a:xfrm>
           <a:custGeom>
             <a:avLst/>
@@ -5167,8 +5167,8 @@
         </p:nvSpPr>
         <p:spPr>
           <a:xfrm>
-            <a:off x="381188" y="685800"/>
-            <a:ext cx="6096300" cy="3429000"/>
+            <a:off x="381000" y="685800"/>
+            <a:ext cx="6096000" cy="3429000"/>
           </a:xfrm>
           <a:custGeom>
             <a:avLst/>
@@ -25591,7 +25591,7 @@
         <p:spPr>
           <a:xfrm>
             <a:off x="311699" y="942424"/>
-            <a:ext cx="8399593" cy="3980639"/>
+            <a:ext cx="8399593" cy="4086776"/>
           </a:xfrm>
           <a:prstGeom prst="rect">
             <a:avLst/>
@@ -25944,6 +25944,50 @@
                 <a:sym typeface="Roboto Mono"/>
               </a:rPr>
               <a:t>terraform workspace delete dev</a:t>
+            </a:r>
+          </a:p>
+          <a:p>
+            <a:pPr marL="0" indent="0">
+              <a:spcBef>
+                <a:spcPts val="1200"/>
+              </a:spcBef>
+              <a:buNone/>
+            </a:pPr>
+            <a:r>
+              <a:rPr lang="en-US" sz="1100" dirty="0">
+                <a:solidFill>
+                  <a:srgbClr val="188038"/>
+                </a:solidFill>
+                <a:latin typeface="Roboto Mono"/>
+                <a:ea typeface="Roboto Mono"/>
+                <a:cs typeface="Roboto Mono"/>
+                <a:sym typeface="Roboto Mono"/>
+              </a:rPr>
+              <a:t>Variable: ${</a:t>
+            </a:r>
+            <a:r>
+              <a:rPr lang="en-US" sz="1100" dirty="0" err="1">
+                <a:solidFill>
+                  <a:srgbClr val="188038"/>
+                </a:solidFill>
+                <a:latin typeface="Roboto Mono"/>
+                <a:ea typeface="Roboto Mono"/>
+                <a:cs typeface="Roboto Mono"/>
+                <a:sym typeface="Roboto Mono"/>
+              </a:rPr>
+              <a:t>terraform.workspace</a:t>
+            </a:r>
+            <a:r>
+              <a:rPr lang="en-US" sz="1100" dirty="0">
+                <a:solidFill>
+                  <a:srgbClr val="188038"/>
+                </a:solidFill>
+                <a:latin typeface="Roboto Mono"/>
+                <a:ea typeface="Roboto Mono"/>
+                <a:cs typeface="Roboto Mono"/>
+                <a:sym typeface="Roboto Mono"/>
+              </a:rPr>
+              <a:t>}</a:t>
             </a:r>
             <a:endParaRPr sz="1100" dirty="0">
               <a:solidFill>
@@ -28422,8 +28466,8 @@
         </p:nvSpPr>
         <p:spPr>
           <a:xfrm>
-            <a:off x="311700" y="942425"/>
-            <a:ext cx="7114800" cy="3763200"/>
+            <a:off x="311700" y="942424"/>
+            <a:ext cx="7114800" cy="4470497"/>
           </a:xfrm>
           <a:prstGeom prst="rect">
             <a:avLst/>
@@ -28444,7 +28488,7 @@
               </a:spcAft>
               <a:buNone/>
             </a:pPr>
-            <a:endParaRPr sz="1100" b="1">
+            <a:endParaRPr sz="1100" b="1" dirty="0">
               <a:latin typeface="Arial"/>
               <a:ea typeface="Arial"/>
               <a:cs typeface="Arial"/>
@@ -28462,7 +28506,7 @@
               <a:buNone/>
             </a:pPr>
             <a:r>
-              <a:rPr lang="en" sz="1100" b="1">
+              <a:rPr lang="en" sz="1050" b="1" dirty="0">
                 <a:latin typeface="Arial"/>
                 <a:ea typeface="Arial"/>
                 <a:cs typeface="Arial"/>
@@ -28471,7 +28515,7 @@
               <a:t>File Provisioner </a:t>
             </a:r>
             <a:r>
-              <a:rPr lang="en" sz="1100">
+              <a:rPr lang="en" sz="1050" dirty="0">
                 <a:latin typeface="Arial"/>
                 <a:ea typeface="Arial"/>
                 <a:cs typeface="Arial"/>
@@ -28479,7 +28523,7 @@
               </a:rPr>
               <a:t>transfers files from the local machine to the remote instance.</a:t>
             </a:r>
-            <a:endParaRPr sz="1100">
+            <a:endParaRPr sz="1050" dirty="0">
               <a:latin typeface="Arial"/>
               <a:ea typeface="Arial"/>
               <a:cs typeface="Arial"/>
@@ -28500,7 +28544,7 @@
               <a:buNone/>
             </a:pPr>
             <a:r>
-              <a:rPr lang="en" sz="1100">
+              <a:rPr lang="en" sz="1050" dirty="0">
                 <a:solidFill>
                   <a:srgbClr val="188038"/>
                 </a:solidFill>
@@ -28511,7 +28555,7 @@
               </a:rPr>
               <a:t>resource "aws_instance" "example" {</a:t>
             </a:r>
-            <a:endParaRPr sz="1100">
+            <a:endParaRPr sz="1050" dirty="0">
               <a:solidFill>
                 <a:srgbClr val="188038"/>
               </a:solidFill>
@@ -28535,7 +28579,7 @@
               <a:buNone/>
             </a:pPr>
             <a:r>
-              <a:rPr lang="en" sz="1100">
+              <a:rPr lang="en" sz="1050" dirty="0">
                 <a:solidFill>
                   <a:srgbClr val="188038"/>
                 </a:solidFill>
@@ -28546,7 +28590,7 @@
               </a:rPr>
               <a:t>  ami           = "ami-0c55b159cbfafe1f0"</a:t>
             </a:r>
-            <a:endParaRPr sz="1100">
+            <a:endParaRPr sz="1050" dirty="0">
               <a:solidFill>
                 <a:srgbClr val="188038"/>
               </a:solidFill>
@@ -28570,7 +28614,7 @@
               <a:buNone/>
             </a:pPr>
             <a:r>
-              <a:rPr lang="en" sz="1100">
+              <a:rPr lang="en" sz="1050" dirty="0">
                 <a:solidFill>
                   <a:srgbClr val="188038"/>
                 </a:solidFill>
@@ -28581,7 +28625,7 @@
               </a:rPr>
               <a:t>  instance_type = "t2.micro"</a:t>
             </a:r>
-            <a:endParaRPr sz="1100">
+            <a:endParaRPr sz="1050" dirty="0">
               <a:solidFill>
                 <a:srgbClr val="188038"/>
               </a:solidFill>
@@ -28605,7 +28649,7 @@
               <a:buNone/>
             </a:pPr>
             <a:r>
-              <a:rPr lang="en" sz="1100">
+              <a:rPr lang="en" sz="1050" dirty="0">
                 <a:solidFill>
                   <a:srgbClr val="188038"/>
                 </a:solidFill>
@@ -28614,9 +28658,9 @@
                 <a:cs typeface="Roboto Mono"/>
                 <a:sym typeface="Roboto Mono"/>
               </a:rPr>
-              <a:t>  vpc_security_group_ids = [aws_security_group.allow_tls.id]</a:t>
-            </a:r>
-            <a:endParaRPr sz="1100">
+              <a:t>  vpc_security_group_ids = [aws_security_group.allow_ssh.id]</a:t>
+            </a:r>
+            <a:endParaRPr sz="1050" dirty="0">
               <a:solidFill>
                 <a:srgbClr val="188038"/>
               </a:solidFill>
@@ -28637,7 +28681,7 @@
               <a:buNone/>
             </a:pPr>
             <a:r>
-              <a:rPr lang="en" sz="1100">
+              <a:rPr lang="en" sz="1050" dirty="0">
                 <a:solidFill>
                   <a:srgbClr val="188038"/>
                 </a:solidFill>
@@ -28648,7 +28692,7 @@
               </a:rPr>
               <a:t>  key_name      = aws_key_pair.my_key.key_name</a:t>
             </a:r>
-            <a:endParaRPr sz="1100">
+            <a:endParaRPr sz="1050" dirty="0">
               <a:solidFill>
                 <a:srgbClr val="188038"/>
               </a:solidFill>
@@ -28672,7 +28716,7 @@
               <a:buNone/>
             </a:pPr>
             <a:r>
-              <a:rPr lang="en" sz="1100">
+              <a:rPr lang="en" sz="1050" dirty="0">
                 <a:solidFill>
                   <a:srgbClr val="188038"/>
                 </a:solidFill>
@@ -28681,9 +28725,35 @@
                 <a:cs typeface="Roboto Mono"/>
                 <a:sym typeface="Roboto Mono"/>
               </a:rPr>
+              <a:t>  </a:t>
+            </a:r>
+          </a:p>
+          <a:p>
+            <a:pPr marL="0" marR="0" lvl="0" indent="0" algn="l" rtl="0">
+              <a:lnSpc>
+                <a:spcPct val="115000"/>
+              </a:lnSpc>
+              <a:spcBef>
+                <a:spcPts val="0"/>
+              </a:spcBef>
+              <a:spcAft>
+                <a:spcPts val="0"/>
+              </a:spcAft>
+              <a:buNone/>
+            </a:pPr>
+            <a:r>
+              <a:rPr lang="en" sz="1050" dirty="0">
+                <a:solidFill>
+                  <a:srgbClr val="188038"/>
+                </a:solidFill>
+                <a:latin typeface="Roboto Mono"/>
+                <a:ea typeface="Roboto Mono"/>
+                <a:cs typeface="Roboto Mono"/>
+                <a:sym typeface="Roboto Mono"/>
+              </a:rPr>
               <a:t>  provisioner "file" {</a:t>
             </a:r>
-            <a:endParaRPr sz="1100">
+            <a:endParaRPr sz="1050" dirty="0">
               <a:solidFill>
                 <a:srgbClr val="188038"/>
               </a:solidFill>
@@ -28707,7 +28777,7 @@
               <a:buNone/>
             </a:pPr>
             <a:r>
-              <a:rPr lang="en" sz="1100">
+              <a:rPr lang="en" sz="1050" dirty="0">
                 <a:solidFill>
                   <a:srgbClr val="188038"/>
                 </a:solidFill>
@@ -28718,7 +28788,7 @@
               </a:rPr>
               <a:t>    source      = "config/app.conf"   # Local file</a:t>
             </a:r>
-            <a:endParaRPr sz="1100">
+            <a:endParaRPr sz="1050" dirty="0">
               <a:solidFill>
                 <a:srgbClr val="188038"/>
               </a:solidFill>
@@ -28742,7 +28812,7 @@
               <a:buNone/>
             </a:pPr>
             <a:r>
-              <a:rPr lang="en" sz="1100">
+              <a:rPr lang="en" sz="1050" dirty="0">
                 <a:solidFill>
                   <a:srgbClr val="188038"/>
                 </a:solidFill>
@@ -28753,7 +28823,7 @@
               </a:rPr>
               <a:t>    destination = "/etc/app.conf"     # Remote destination</a:t>
             </a:r>
-            <a:endParaRPr sz="1100">
+            <a:endParaRPr sz="1050" dirty="0">
               <a:solidFill>
                 <a:srgbClr val="188038"/>
               </a:solidFill>
@@ -28776,7 +28846,7 @@
               </a:spcAft>
               <a:buNone/>
             </a:pPr>
-            <a:endParaRPr sz="1100">
+            <a:endParaRPr sz="1050" dirty="0">
               <a:solidFill>
                 <a:srgbClr val="188038"/>
               </a:solidFill>
@@ -28800,7 +28870,7 @@
               <a:buNone/>
             </a:pPr>
             <a:r>
-              <a:rPr lang="en" sz="1100">
+              <a:rPr lang="en" sz="1050" dirty="0">
                 <a:solidFill>
                   <a:srgbClr val="188038"/>
                 </a:solidFill>
@@ -28811,7 +28881,7 @@
               </a:rPr>
               <a:t>    connection {</a:t>
             </a:r>
-            <a:endParaRPr sz="1100">
+            <a:endParaRPr sz="1050" dirty="0">
               <a:solidFill>
                 <a:srgbClr val="188038"/>
               </a:solidFill>
@@ -28835,7 +28905,7 @@
               <a:buNone/>
             </a:pPr>
             <a:r>
-              <a:rPr lang="en" sz="1100">
+              <a:rPr lang="en" sz="1050" dirty="0">
                 <a:solidFill>
                   <a:srgbClr val="188038"/>
                 </a:solidFill>
@@ -28846,7 +28916,7 @@
               </a:rPr>
               <a:t>      type        = "ssh"</a:t>
             </a:r>
-            <a:endParaRPr sz="1100">
+            <a:endParaRPr sz="1050" dirty="0">
               <a:solidFill>
                 <a:srgbClr val="188038"/>
               </a:solidFill>
@@ -28870,7 +28940,7 @@
               <a:buNone/>
             </a:pPr>
             <a:r>
-              <a:rPr lang="en" sz="1100">
+              <a:rPr lang="en" sz="1050" dirty="0">
                 <a:solidFill>
                   <a:srgbClr val="188038"/>
                 </a:solidFill>
@@ -28881,7 +28951,7 @@
               </a:rPr>
               <a:t>      user        = "ubuntu"</a:t>
             </a:r>
-            <a:endParaRPr sz="1100">
+            <a:endParaRPr sz="1050" dirty="0">
               <a:solidFill>
                 <a:srgbClr val="188038"/>
               </a:solidFill>
@@ -28905,7 +28975,7 @@
               <a:buNone/>
             </a:pPr>
             <a:r>
-              <a:rPr lang="en" sz="1100">
+              <a:rPr lang="en" sz="1050" dirty="0">
                 <a:solidFill>
                   <a:srgbClr val="188038"/>
                 </a:solidFill>
@@ -28916,7 +28986,7 @@
               </a:rPr>
               <a:t>      private_key = file("~/.ssh/id_rsa")</a:t>
             </a:r>
-            <a:endParaRPr sz="1100">
+            <a:endParaRPr sz="1050" dirty="0">
               <a:solidFill>
                 <a:srgbClr val="188038"/>
               </a:solidFill>
@@ -28940,7 +29010,7 @@
               <a:buNone/>
             </a:pPr>
             <a:r>
-              <a:rPr lang="en" sz="1100">
+              <a:rPr lang="en" sz="1050" dirty="0">
                 <a:solidFill>
                   <a:srgbClr val="188038"/>
                 </a:solidFill>
@@ -28951,7 +29021,7 @@
               </a:rPr>
               <a:t>      host        = self.public_ip</a:t>
             </a:r>
-            <a:endParaRPr sz="1100">
+            <a:endParaRPr sz="1050" dirty="0">
               <a:solidFill>
                 <a:srgbClr val="188038"/>
               </a:solidFill>
@@ -28975,7 +29045,7 @@
               <a:buNone/>
             </a:pPr>
             <a:r>
-              <a:rPr lang="en" sz="1100">
+              <a:rPr lang="en" sz="1050" dirty="0">
                 <a:solidFill>
                   <a:srgbClr val="188038"/>
                 </a:solidFill>
@@ -28986,7 +29056,7 @@
               </a:rPr>
               <a:t>    }</a:t>
             </a:r>
-            <a:endParaRPr sz="1100">
+            <a:endParaRPr sz="1050" dirty="0">
               <a:solidFill>
                 <a:srgbClr val="188038"/>
               </a:solidFill>
@@ -29010,7 +29080,7 @@
               <a:buNone/>
             </a:pPr>
             <a:r>
-              <a:rPr lang="en" sz="1100">
+              <a:rPr lang="en" sz="1050" dirty="0">
                 <a:solidFill>
                   <a:srgbClr val="188038"/>
                 </a:solidFill>
@@ -29021,7 +29091,7 @@
               </a:rPr>
               <a:t>  }</a:t>
             </a:r>
-            <a:endParaRPr sz="1100">
+            <a:endParaRPr sz="1050" dirty="0">
               <a:solidFill>
                 <a:srgbClr val="188038"/>
               </a:solidFill>
@@ -29045,7 +29115,7 @@
               <a:buNone/>
             </a:pPr>
             <a:r>
-              <a:rPr lang="en" sz="1100">
+              <a:rPr lang="en" sz="1050" dirty="0">
                 <a:solidFill>
                   <a:srgbClr val="188038"/>
                 </a:solidFill>
@@ -29056,24 +29126,7 @@
               </a:rPr>
               <a:t>}</a:t>
             </a:r>
-            <a:endParaRPr sz="1100">
-              <a:latin typeface="Arial"/>
-              <a:ea typeface="Arial"/>
-              <a:cs typeface="Arial"/>
-              <a:sym typeface="Arial"/>
-            </a:endParaRPr>
-          </a:p>
-          <a:p>
-            <a:pPr marL="0" lvl="0" indent="0" algn="l" rtl="0">
-              <a:spcBef>
-                <a:spcPts val="1200"/>
-              </a:spcBef>
-              <a:spcAft>
-                <a:spcPts val="1200"/>
-              </a:spcAft>
-              <a:buNone/>
-            </a:pPr>
-            <a:endParaRPr sz="1100">
+            <a:endParaRPr lang="en-IN" sz="1100" dirty="0">
               <a:latin typeface="Arial"/>
               <a:ea typeface="Arial"/>
               <a:cs typeface="Arial"/>
@@ -29161,8 +29214,8 @@
         </p:nvSpPr>
         <p:spPr>
           <a:xfrm>
-            <a:off x="311700" y="942425"/>
-            <a:ext cx="7114800" cy="3763200"/>
+            <a:off x="400050" y="935274"/>
+            <a:ext cx="7826550" cy="4028611"/>
           </a:xfrm>
           <a:prstGeom prst="rect">
             <a:avLst/>
@@ -29183,7 +29236,7 @@
               </a:spcAft>
               <a:buNone/>
             </a:pPr>
-            <a:endParaRPr sz="1100">
+            <a:endParaRPr sz="1100" dirty="0">
               <a:latin typeface="Arial"/>
               <a:ea typeface="Arial"/>
               <a:cs typeface="Arial"/>
@@ -29206,7 +29259,7 @@
               <a:buNone/>
             </a:pPr>
             <a:r>
-              <a:rPr lang="en" sz="1100">
+              <a:rPr lang="en" sz="1100" dirty="0">
                 <a:solidFill>
                   <a:srgbClr val="188038"/>
                 </a:solidFill>
@@ -29217,7 +29270,7 @@
               </a:rPr>
               <a:t>resource "aws_key_pair" "my_key" {</a:t>
             </a:r>
-            <a:endParaRPr sz="1100">
+            <a:endParaRPr sz="1100" dirty="0">
               <a:solidFill>
                 <a:srgbClr val="188038"/>
               </a:solidFill>
@@ -29243,7 +29296,7 @@
               <a:buNone/>
             </a:pPr>
             <a:r>
-              <a:rPr lang="en" sz="1100">
+              <a:rPr lang="en" sz="1100" dirty="0">
                 <a:solidFill>
                   <a:srgbClr val="188038"/>
                 </a:solidFill>
@@ -29254,7 +29307,7 @@
               </a:rPr>
               <a:t>  key_name   = "my_key"</a:t>
             </a:r>
-            <a:endParaRPr sz="1100">
+            <a:endParaRPr sz="1100" dirty="0">
               <a:solidFill>
                 <a:srgbClr val="188038"/>
               </a:solidFill>
@@ -29280,7 +29333,7 @@
               <a:buNone/>
             </a:pPr>
             <a:r>
-              <a:rPr lang="en" sz="1100">
+              <a:rPr lang="en" sz="1100" dirty="0">
                 <a:solidFill>
                   <a:srgbClr val="188038"/>
                 </a:solidFill>
@@ -29291,7 +29344,7 @@
               </a:rPr>
               <a:t>  public_key = file("~/.ssh/id_rsa.pub")</a:t>
             </a:r>
-            <a:endParaRPr sz="1100">
+            <a:endParaRPr sz="1100" dirty="0">
               <a:solidFill>
                 <a:srgbClr val="188038"/>
               </a:solidFill>
@@ -29317,7 +29370,7 @@
               <a:buNone/>
             </a:pPr>
             <a:r>
-              <a:rPr lang="en" sz="1100">
+              <a:rPr lang="en" sz="1100" dirty="0">
                 <a:solidFill>
                   <a:srgbClr val="188038"/>
                 </a:solidFill>
@@ -29328,7 +29381,7 @@
               </a:rPr>
               <a:t>}</a:t>
             </a:r>
-            <a:endParaRPr sz="1100">
+            <a:endParaRPr sz="1100" dirty="0">
               <a:solidFill>
                 <a:srgbClr val="188038"/>
               </a:solidFill>
@@ -29351,7 +29404,7 @@
               </a:spcAft>
               <a:buNone/>
             </a:pPr>
-            <a:endParaRPr sz="1100">
+            <a:endParaRPr sz="1100" dirty="0">
               <a:solidFill>
                 <a:srgbClr val="188038"/>
               </a:solidFill>
@@ -29377,7 +29430,7 @@
               <a:buNone/>
             </a:pPr>
             <a:r>
-              <a:rPr lang="en" sz="1100">
+              <a:rPr lang="en" sz="1100" dirty="0">
                 <a:solidFill>
                   <a:srgbClr val="188038"/>
                 </a:solidFill>
@@ -29386,9 +29439,9 @@
                 <a:cs typeface="Roboto Mono"/>
                 <a:sym typeface="Roboto Mono"/>
               </a:rPr>
-              <a:t>resource "aws_security_group" "allow_tls" {</a:t>
-            </a:r>
-            <a:endParaRPr sz="1100">
+              <a:t>resource "aws_security_group" "allow_ssh" {</a:t>
+            </a:r>
+            <a:endParaRPr sz="1100" dirty="0">
               <a:solidFill>
                 <a:srgbClr val="188038"/>
               </a:solidFill>
@@ -29414,7 +29467,7 @@
               <a:buNone/>
             </a:pPr>
             <a:r>
-              <a:rPr lang="en" sz="1100">
+              <a:rPr lang="en" sz="1100" dirty="0">
                 <a:solidFill>
                   <a:srgbClr val="188038"/>
                 </a:solidFill>
@@ -29423,9 +29476,9 @@
                 <a:cs typeface="Roboto Mono"/>
                 <a:sym typeface="Roboto Mono"/>
               </a:rPr>
-              <a:t>  name        = "allow_tls_provisioner"</a:t>
-            </a:r>
-            <a:endParaRPr sz="1100">
+              <a:t>  name        = "allow_ssh_provisioner"</a:t>
+            </a:r>
+            <a:endParaRPr sz="1100" dirty="0">
               <a:solidFill>
                 <a:srgbClr val="188038"/>
               </a:solidFill>
@@ -29451,7 +29504,7 @@
               <a:buNone/>
             </a:pPr>
             <a:r>
-              <a:rPr lang="en" sz="1100">
+              <a:rPr lang="en" sz="1100" dirty="0">
                 <a:solidFill>
                   <a:srgbClr val="188038"/>
                 </a:solidFill>
@@ -29460,9 +29513,9 @@
                 <a:cs typeface="Roboto Mono"/>
                 <a:sym typeface="Roboto Mono"/>
               </a:rPr>
-              <a:t>  description = "Allow TLS inbound traffic and all outbound traffic"</a:t>
-            </a:r>
-            <a:endParaRPr sz="1100">
+              <a:t>  description = "Allow SSH inbound traffic and all outbound traffic"</a:t>
+            </a:r>
+            <a:endParaRPr sz="1100" dirty="0">
               <a:solidFill>
                 <a:srgbClr val="188038"/>
               </a:solidFill>
@@ -29488,7 +29541,7 @@
               <a:buNone/>
             </a:pPr>
             <a:r>
-              <a:rPr lang="en" sz="1100">
+              <a:rPr lang="en" sz="1100" dirty="0">
                 <a:solidFill>
                   <a:srgbClr val="188038"/>
                 </a:solidFill>
@@ -29499,7 +29552,7 @@
               </a:rPr>
               <a:t>  ingress {</a:t>
             </a:r>
-            <a:endParaRPr sz="1100">
+            <a:endParaRPr sz="1100" dirty="0">
               <a:solidFill>
                 <a:srgbClr val="188038"/>
               </a:solidFill>
@@ -29525,7 +29578,7 @@
               <a:buNone/>
             </a:pPr>
             <a:r>
-              <a:rPr lang="en" sz="1100">
+              <a:rPr lang="en" sz="1100" dirty="0">
                 <a:solidFill>
                   <a:srgbClr val="188038"/>
                 </a:solidFill>
@@ -29536,7 +29589,7 @@
               </a:rPr>
               <a:t>    from_port        = 22</a:t>
             </a:r>
-            <a:endParaRPr sz="1100">
+            <a:endParaRPr sz="1100" dirty="0">
               <a:solidFill>
                 <a:srgbClr val="188038"/>
               </a:solidFill>
@@ -29562,7 +29615,7 @@
               <a:buNone/>
             </a:pPr>
             <a:r>
-              <a:rPr lang="en" sz="1100">
+              <a:rPr lang="en" sz="1100" dirty="0">
                 <a:solidFill>
                   <a:srgbClr val="188038"/>
                 </a:solidFill>
@@ -29573,7 +29626,7 @@
               </a:rPr>
               <a:t>    to_port          = 22</a:t>
             </a:r>
-            <a:endParaRPr sz="1100">
+            <a:endParaRPr sz="1100" dirty="0">
               <a:solidFill>
                 <a:srgbClr val="188038"/>
               </a:solidFill>
@@ -29599,7 +29652,7 @@
               <a:buNone/>
             </a:pPr>
             <a:r>
-              <a:rPr lang="en" sz="1100">
+              <a:rPr lang="en" sz="1100" dirty="0">
                 <a:solidFill>
                   <a:srgbClr val="188038"/>
                 </a:solidFill>
@@ -29610,7 +29663,7 @@
               </a:rPr>
               <a:t>    protocol         = "tcp"</a:t>
             </a:r>
-            <a:endParaRPr sz="1100">
+            <a:endParaRPr sz="1100" dirty="0">
               <a:solidFill>
                 <a:srgbClr val="188038"/>
               </a:solidFill>
@@ -29636,7 +29689,7 @@
               <a:buNone/>
             </a:pPr>
             <a:r>
-              <a:rPr lang="en" sz="1100">
+              <a:rPr lang="en" sz="1100" dirty="0">
                 <a:solidFill>
                   <a:srgbClr val="188038"/>
                 </a:solidFill>
@@ -29647,7 +29700,7 @@
               </a:rPr>
               <a:t>    cidr_blocks      = ["0.0.0.0/0"]</a:t>
             </a:r>
-            <a:endParaRPr sz="1100">
+            <a:endParaRPr sz="1100" dirty="0">
               <a:solidFill>
                 <a:srgbClr val="188038"/>
               </a:solidFill>
@@ -29673,7 +29726,7 @@
               <a:buNone/>
             </a:pPr>
             <a:r>
-              <a:rPr lang="en" sz="1100">
+              <a:rPr lang="en" sz="1100" dirty="0">
                 <a:solidFill>
                   <a:srgbClr val="188038"/>
                 </a:solidFill>
@@ -29684,7 +29737,7 @@
               </a:rPr>
               <a:t>  }</a:t>
             </a:r>
-            <a:endParaRPr sz="1100">
+            <a:endParaRPr sz="1100" dirty="0">
               <a:solidFill>
                 <a:srgbClr val="188038"/>
               </a:solidFill>
@@ -29710,7 +29763,7 @@
               <a:buNone/>
             </a:pPr>
             <a:r>
-              <a:rPr lang="en" sz="1100">
+              <a:rPr lang="en" sz="1100" dirty="0">
                 <a:solidFill>
                   <a:srgbClr val="188038"/>
                 </a:solidFill>
@@ -29721,7 +29774,7 @@
               </a:rPr>
               <a:t>  tags = {</a:t>
             </a:r>
-            <a:endParaRPr sz="1100">
+            <a:endParaRPr sz="1100" dirty="0">
               <a:solidFill>
                 <a:srgbClr val="188038"/>
               </a:solidFill>
@@ -29747,7 +29800,7 @@
               <a:buNone/>
             </a:pPr>
             <a:r>
-              <a:rPr lang="en" sz="1100">
+              <a:rPr lang="en" sz="1100" dirty="0">
                 <a:solidFill>
                   <a:srgbClr val="188038"/>
                 </a:solidFill>
@@ -29758,7 +29811,7 @@
               </a:rPr>
               <a:t>    Name = "allow_tls"</a:t>
             </a:r>
-            <a:endParaRPr sz="1100">
+            <a:endParaRPr sz="1100" dirty="0">
               <a:solidFill>
                 <a:srgbClr val="188038"/>
               </a:solidFill>
@@ -29784,7 +29837,7 @@
               <a:buNone/>
             </a:pPr>
             <a:r>
-              <a:rPr lang="en" sz="1100">
+              <a:rPr lang="en" sz="1100" dirty="0">
                 <a:solidFill>
                   <a:srgbClr val="188038"/>
                 </a:solidFill>
@@ -29795,7 +29848,7 @@
               </a:rPr>
               <a:t>  }</a:t>
             </a:r>
-            <a:endParaRPr sz="1100">
+            <a:endParaRPr sz="1100" dirty="0">
               <a:solidFill>
                 <a:srgbClr val="188038"/>
               </a:solidFill>
@@ -29821,7 +29874,7 @@
               <a:buNone/>
             </a:pPr>
             <a:r>
-              <a:rPr lang="en" sz="1100">
+              <a:rPr lang="en" sz="1100" dirty="0">
                 <a:solidFill>
                   <a:srgbClr val="188038"/>
                 </a:solidFill>
@@ -29832,7 +29885,7 @@
               </a:rPr>
               <a:t>}</a:t>
             </a:r>
-            <a:endParaRPr sz="1100">
+            <a:endParaRPr sz="1100" dirty="0">
               <a:solidFill>
                 <a:srgbClr val="188038"/>
               </a:solidFill>
@@ -29855,7 +29908,7 @@
               </a:spcAft>
               <a:buNone/>
             </a:pPr>
-            <a:endParaRPr sz="1100">
+            <a:endParaRPr sz="1100" dirty="0">
               <a:solidFill>
                 <a:srgbClr val="188038"/>
               </a:solidFill>
@@ -29875,7 +29928,7 @@
               </a:spcAft>
               <a:buNone/>
             </a:pPr>
-            <a:endParaRPr sz="1100">
+            <a:endParaRPr sz="1100" dirty="0">
               <a:latin typeface="Arial"/>
               <a:ea typeface="Arial"/>
               <a:cs typeface="Arial"/>
@@ -29963,8 +30016,8 @@
         </p:nvSpPr>
         <p:spPr>
           <a:xfrm>
-            <a:off x="311700" y="942425"/>
-            <a:ext cx="7114800" cy="3763200"/>
+            <a:off x="311700" y="942424"/>
+            <a:ext cx="7114800" cy="4119433"/>
           </a:xfrm>
           <a:prstGeom prst="rect">
             <a:avLst/>
@@ -29991,7 +30044,7 @@
               <a:buNone/>
             </a:pPr>
             <a:r>
-              <a:rPr lang="en" sz="1100" b="1">
+              <a:rPr lang="en" sz="1100" b="1" dirty="0">
                 <a:latin typeface="Arial"/>
                 <a:ea typeface="Arial"/>
                 <a:cs typeface="Arial"/>
@@ -30000,7 +30053,7 @@
               <a:t>Remote-Exec Provisioner </a:t>
             </a:r>
             <a:r>
-              <a:rPr lang="en" sz="1100">
+              <a:rPr lang="en" sz="1100" dirty="0">
                 <a:latin typeface="Arial"/>
                 <a:ea typeface="Arial"/>
                 <a:cs typeface="Arial"/>
@@ -30008,7 +30061,7 @@
               </a:rPr>
               <a:t>runs commands on the remote instance after it is created.</a:t>
             </a:r>
-            <a:endParaRPr sz="1100">
+            <a:endParaRPr sz="1100" dirty="0">
               <a:latin typeface="Arial"/>
               <a:ea typeface="Arial"/>
               <a:cs typeface="Arial"/>
@@ -30029,7 +30082,7 @@
               <a:buNone/>
             </a:pPr>
             <a:r>
-              <a:rPr lang="en" sz="1100">
+              <a:rPr lang="en" sz="1100" dirty="0">
                 <a:solidFill>
                   <a:srgbClr val="188038"/>
                 </a:solidFill>
@@ -30040,7 +30093,7 @@
               </a:rPr>
               <a:t>resource "aws_instance" "example" {</a:t>
             </a:r>
-            <a:endParaRPr sz="1100">
+            <a:endParaRPr sz="1100" dirty="0">
               <a:solidFill>
                 <a:srgbClr val="188038"/>
               </a:solidFill>
@@ -30064,7 +30117,7 @@
               <a:buNone/>
             </a:pPr>
             <a:r>
-              <a:rPr lang="en" sz="1100">
+              <a:rPr lang="en" sz="1100" dirty="0">
                 <a:solidFill>
                   <a:srgbClr val="188038"/>
                 </a:solidFill>
@@ -30075,7 +30128,7 @@
               </a:rPr>
               <a:t>  ami           = "ami-0c55b159cbfafe1f0"</a:t>
             </a:r>
-            <a:endParaRPr sz="1100">
+            <a:endParaRPr sz="1100" dirty="0">
               <a:solidFill>
                 <a:srgbClr val="188038"/>
               </a:solidFill>
@@ -30099,7 +30152,7 @@
               <a:buNone/>
             </a:pPr>
             <a:r>
-              <a:rPr lang="en" sz="1100">
+              <a:rPr lang="en" sz="1100" dirty="0">
                 <a:solidFill>
                   <a:srgbClr val="188038"/>
                 </a:solidFill>
@@ -30110,7 +30163,7 @@
               </a:rPr>
               <a:t>  instance_type = "t2.micro"</a:t>
             </a:r>
-            <a:endParaRPr sz="1100">
+            <a:endParaRPr sz="1100" dirty="0">
               <a:solidFill>
                 <a:srgbClr val="188038"/>
               </a:solidFill>
@@ -30133,7 +30186,7 @@
               </a:spcAft>
               <a:buNone/>
             </a:pPr>
-            <a:endParaRPr sz="1100">
+            <a:endParaRPr sz="1100" dirty="0">
               <a:solidFill>
                 <a:srgbClr val="188038"/>
               </a:solidFill>
@@ -30157,7 +30210,7 @@
               <a:buNone/>
             </a:pPr>
             <a:r>
-              <a:rPr lang="en" sz="1100">
+              <a:rPr lang="en" sz="1100" dirty="0">
                 <a:solidFill>
                   <a:srgbClr val="188038"/>
                 </a:solidFill>
@@ -30168,7 +30221,7 @@
               </a:rPr>
               <a:t>  provisioner "remote-exec" {</a:t>
             </a:r>
-            <a:endParaRPr sz="1100">
+            <a:endParaRPr sz="1100" dirty="0">
               <a:solidFill>
                 <a:srgbClr val="188038"/>
               </a:solidFill>
@@ -30192,7 +30245,7 @@
               <a:buNone/>
             </a:pPr>
             <a:r>
-              <a:rPr lang="en" sz="1100">
+              <a:rPr lang="en" sz="1100" dirty="0">
                 <a:solidFill>
                   <a:srgbClr val="188038"/>
                 </a:solidFill>
@@ -30203,7 +30256,7 @@
               </a:rPr>
               <a:t>    inline = [</a:t>
             </a:r>
-            <a:endParaRPr sz="1100">
+            <a:endParaRPr sz="1100" dirty="0">
               <a:solidFill>
                 <a:srgbClr val="188038"/>
               </a:solidFill>
@@ -30227,7 +30280,7 @@
               <a:buNone/>
             </a:pPr>
             <a:r>
-              <a:rPr lang="en" sz="1100">
+              <a:rPr lang="en" sz="1100" dirty="0">
                 <a:solidFill>
                   <a:srgbClr val="188038"/>
                 </a:solidFill>
@@ -30238,7 +30291,7 @@
               </a:rPr>
               <a:t>      "sudo apt update",</a:t>
             </a:r>
-            <a:endParaRPr sz="1100">
+            <a:endParaRPr sz="1100" dirty="0">
               <a:solidFill>
                 <a:srgbClr val="188038"/>
               </a:solidFill>
@@ -30262,7 +30315,7 @@
               <a:buNone/>
             </a:pPr>
             <a:r>
-              <a:rPr lang="en" sz="1100">
+              <a:rPr lang="en" sz="1100" dirty="0">
                 <a:solidFill>
                   <a:srgbClr val="188038"/>
                 </a:solidFill>
@@ -30273,7 +30326,7 @@
               </a:rPr>
               <a:t>      "sudo apt install -y nginx",</a:t>
             </a:r>
-            <a:endParaRPr sz="1100">
+            <a:endParaRPr sz="1100" dirty="0">
               <a:solidFill>
                 <a:srgbClr val="188038"/>
               </a:solidFill>
@@ -30297,7 +30350,7 @@
               <a:buNone/>
             </a:pPr>
             <a:r>
-              <a:rPr lang="en" sz="1100">
+              <a:rPr lang="en" sz="1100" dirty="0">
                 <a:solidFill>
                   <a:srgbClr val="188038"/>
                 </a:solidFill>
@@ -30308,7 +30361,7 @@
               </a:rPr>
               <a:t>      "sudo mv /tmp/message.txt /var/www/html/index.html",</a:t>
             </a:r>
-            <a:endParaRPr sz="1100">
+            <a:endParaRPr sz="1100" dirty="0">
               <a:solidFill>
                 <a:srgbClr val="188038"/>
               </a:solidFill>
@@ -30332,7 +30385,7 @@
               <a:buNone/>
             </a:pPr>
             <a:r>
-              <a:rPr lang="en" sz="1100">
+              <a:rPr lang="en" sz="1100" dirty="0">
                 <a:solidFill>
                   <a:srgbClr val="188038"/>
                 </a:solidFill>
@@ -30343,7 +30396,7 @@
               </a:rPr>
               <a:t>      "sudo systemctl restart nginx"</a:t>
             </a:r>
-            <a:endParaRPr sz="1100">
+            <a:endParaRPr sz="1100" dirty="0">
               <a:solidFill>
                 <a:srgbClr val="188038"/>
               </a:solidFill>
@@ -30367,7 +30420,7 @@
               <a:buNone/>
             </a:pPr>
             <a:r>
-              <a:rPr lang="en" sz="1100">
+              <a:rPr lang="en" sz="1100" dirty="0">
                 <a:solidFill>
                   <a:srgbClr val="188038"/>
                 </a:solidFill>
@@ -30378,7 +30431,7 @@
               </a:rPr>
               <a:t>    ]</a:t>
             </a:r>
-            <a:endParaRPr sz="1100">
+            <a:endParaRPr sz="1100" dirty="0">
               <a:solidFill>
                 <a:srgbClr val="188038"/>
               </a:solidFill>
@@ -30401,7 +30454,7 @@
               </a:spcAft>
               <a:buNone/>
             </a:pPr>
-            <a:endParaRPr sz="1100">
+            <a:endParaRPr sz="1100" dirty="0">
               <a:solidFill>
                 <a:srgbClr val="188038"/>
               </a:solidFill>
@@ -30425,7 +30478,7 @@
               <a:buNone/>
             </a:pPr>
             <a:r>
-              <a:rPr lang="en" sz="1100">
+              <a:rPr lang="en" sz="1100" dirty="0">
                 <a:solidFill>
                   <a:srgbClr val="188038"/>
                 </a:solidFill>
@@ -30436,7 +30489,7 @@
               </a:rPr>
               <a:t>    connection {</a:t>
             </a:r>
-            <a:endParaRPr sz="1100">
+            <a:endParaRPr sz="1100" dirty="0">
               <a:solidFill>
                 <a:srgbClr val="188038"/>
               </a:solidFill>
@@ -30460,7 +30513,7 @@
               <a:buNone/>
             </a:pPr>
             <a:r>
-              <a:rPr lang="en" sz="1100">
+              <a:rPr lang="en" sz="1100" dirty="0">
                 <a:solidFill>
                   <a:srgbClr val="188038"/>
                 </a:solidFill>
@@ -30471,7 +30524,7 @@
               </a:rPr>
               <a:t>      type        = "ssh"</a:t>
             </a:r>
-            <a:endParaRPr sz="1100">
+            <a:endParaRPr sz="1100" dirty="0">
               <a:solidFill>
                 <a:srgbClr val="188038"/>
               </a:solidFill>
@@ -30495,7 +30548,7 @@
               <a:buNone/>
             </a:pPr>
             <a:r>
-              <a:rPr lang="en" sz="1100">
+              <a:rPr lang="en" sz="1100" dirty="0">
                 <a:solidFill>
                   <a:srgbClr val="188038"/>
                 </a:solidFill>
@@ -30506,7 +30559,7 @@
               </a:rPr>
               <a:t>      user        = "ubuntu"</a:t>
             </a:r>
-            <a:endParaRPr sz="1100">
+            <a:endParaRPr sz="1100" dirty="0">
               <a:solidFill>
                 <a:srgbClr val="188038"/>
               </a:solidFill>
@@ -30530,7 +30583,7 @@
               <a:buNone/>
             </a:pPr>
             <a:r>
-              <a:rPr lang="en" sz="1100">
+              <a:rPr lang="en" sz="1100" dirty="0">
                 <a:solidFill>
                   <a:srgbClr val="188038"/>
                 </a:solidFill>
@@ -30541,7 +30594,7 @@
               </a:rPr>
               <a:t>      private_key = file("~/.ssh/id_rsa")</a:t>
             </a:r>
-            <a:endParaRPr sz="1100">
+            <a:endParaRPr sz="1100" dirty="0">
               <a:solidFill>
                 <a:srgbClr val="188038"/>
               </a:solidFill>
@@ -30565,7 +30618,7 @@
               <a:buNone/>
             </a:pPr>
             <a:r>
-              <a:rPr lang="en" sz="1100">
+              <a:rPr lang="en" sz="1100" dirty="0">
                 <a:solidFill>
                   <a:srgbClr val="188038"/>
                 </a:solidFill>
@@ -30576,7 +30629,7 @@
               </a:rPr>
               <a:t>      host        = self.public_ip</a:t>
             </a:r>
-            <a:endParaRPr sz="1100">
+            <a:endParaRPr sz="1100" dirty="0">
               <a:solidFill>
                 <a:srgbClr val="188038"/>
               </a:solidFill>
@@ -30600,7 +30653,7 @@
               <a:buNone/>
             </a:pPr>
             <a:r>
-              <a:rPr lang="en" sz="1100">
+              <a:rPr lang="en" sz="1100" dirty="0">
                 <a:solidFill>
                   <a:srgbClr val="188038"/>
                 </a:solidFill>
@@ -30611,7 +30664,7 @@
               </a:rPr>
               <a:t>    }</a:t>
             </a:r>
-            <a:endParaRPr sz="1100">
+            <a:endParaRPr sz="1100" dirty="0">
               <a:solidFill>
                 <a:srgbClr val="188038"/>
               </a:solidFill>
@@ -30635,7 +30688,7 @@
               <a:buNone/>
             </a:pPr>
             <a:r>
-              <a:rPr lang="en" sz="1100">
+              <a:rPr lang="en" sz="1100" dirty="0">
                 <a:solidFill>
                   <a:srgbClr val="188038"/>
                 </a:solidFill>
@@ -30646,7 +30699,7 @@
               </a:rPr>
               <a:t>  }</a:t>
             </a:r>
-            <a:endParaRPr sz="1100">
+            <a:endParaRPr sz="1100" dirty="0">
               <a:solidFill>
                 <a:srgbClr val="188038"/>
               </a:solidFill>
@@ -30670,7 +30723,7 @@
               <a:buNone/>
             </a:pPr>
             <a:r>
-              <a:rPr lang="en" sz="1100">
+              <a:rPr lang="en" sz="1100" dirty="0">
                 <a:solidFill>
                   <a:srgbClr val="188038"/>
                 </a:solidFill>
@@ -30681,7 +30734,7 @@
               </a:rPr>
               <a:t>}</a:t>
             </a:r>
-            <a:endParaRPr sz="1100">
+            <a:endParaRPr sz="1100" dirty="0">
               <a:solidFill>
                 <a:srgbClr val="188038"/>
               </a:solidFill>
@@ -30701,7 +30754,7 @@
               </a:spcAft>
               <a:buNone/>
             </a:pPr>
-            <a:endParaRPr sz="1100" b="1">
+            <a:endParaRPr sz="1100" b="1" dirty="0">
               <a:latin typeface="Arial"/>
               <a:ea typeface="Arial"/>
               <a:cs typeface="Arial"/>
@@ -30718,7 +30771,7 @@
               </a:spcAft>
               <a:buNone/>
             </a:pPr>
-            <a:endParaRPr sz="1100">
+            <a:endParaRPr sz="1100" dirty="0">
               <a:latin typeface="Arial"/>
               <a:ea typeface="Arial"/>
               <a:cs typeface="Arial"/>
@@ -34220,7 +34273,7 @@
               <a:buNone/>
             </a:pPr>
             <a:r>
-              <a:rPr lang="en-US" sz="900" i="1" dirty="0">
+              <a:rPr lang="en-US" sz="900" b="1" i="1" dirty="0">
                 <a:latin typeface="Arial"/>
                 <a:cs typeface="Arial"/>
                 <a:sym typeface="Arial"/>
@@ -34228,14 +34281,14 @@
               <a:t>Warning: Never use force-unlock if you are not sure the lock is stale. Forcibly unlocking a state file while another process is writing to it is the fastest way to corrupt your state and cause major infrastructure problems</a:t>
             </a:r>
             <a:r>
-              <a:rPr lang="en-US" sz="900" dirty="0">
+              <a:rPr lang="en-US" sz="900" b="1" dirty="0">
                 <a:latin typeface="Arial"/>
                 <a:cs typeface="Arial"/>
                 <a:sym typeface="Arial"/>
               </a:rPr>
               <a:t>.</a:t>
             </a:r>
-            <a:endParaRPr sz="900" dirty="0">
+            <a:endParaRPr sz="900" b="1" dirty="0">
               <a:latin typeface="Arial"/>
               <a:cs typeface="Arial"/>
               <a:sym typeface="Arial"/>
